--- a/Valuation Velocity.pptx
+++ b/Valuation Velocity.pptx
@@ -317,7 +317,7 @@
           <a:p>
             <a:fld id="{FE275811-4231-4273-9EA4-9EC48C681B7E}" type="datetimeFigureOut">
               <a:rPr lang="en-US" smtClean="0"/>
-              <a:t>7/29/2025</a:t>
+              <a:t>7/30/2025</a:t>
             </a:fld>
             <a:endParaRPr lang="en-US"/>
           </a:p>
@@ -592,7 +592,7 @@
           <a:p>
             <a:fld id="{FE275811-4231-4273-9EA4-9EC48C681B7E}" type="datetimeFigureOut">
               <a:rPr lang="en-US" smtClean="0"/>
-              <a:t>7/29/2025</a:t>
+              <a:t>7/30/2025</a:t>
             </a:fld>
             <a:endParaRPr lang="en-US"/>
           </a:p>
@@ -786,7 +786,7 @@
           <a:p>
             <a:fld id="{FE275811-4231-4273-9EA4-9EC48C681B7E}" type="datetimeFigureOut">
               <a:rPr lang="en-US" smtClean="0"/>
-              <a:t>7/29/2025</a:t>
+              <a:t>7/30/2025</a:t>
             </a:fld>
             <a:endParaRPr lang="en-US"/>
           </a:p>
@@ -1059,7 +1059,7 @@
           <a:p>
             <a:fld id="{FE275811-4231-4273-9EA4-9EC48C681B7E}" type="datetimeFigureOut">
               <a:rPr lang="en-US" smtClean="0"/>
-              <a:t>7/29/2025</a:t>
+              <a:t>7/30/2025</a:t>
             </a:fld>
             <a:endParaRPr lang="en-US"/>
           </a:p>
@@ -1400,7 +1400,7 @@
           <a:p>
             <a:fld id="{FE275811-4231-4273-9EA4-9EC48C681B7E}" type="datetimeFigureOut">
               <a:rPr lang="en-US" smtClean="0"/>
-              <a:t>7/29/2025</a:t>
+              <a:t>7/30/2025</a:t>
             </a:fld>
             <a:endParaRPr lang="en-US"/>
           </a:p>
@@ -2023,7 +2023,7 @@
           <a:p>
             <a:fld id="{FE275811-4231-4273-9EA4-9EC48C681B7E}" type="datetimeFigureOut">
               <a:rPr lang="en-US" smtClean="0"/>
-              <a:t>7/29/2025</a:t>
+              <a:t>7/30/2025</a:t>
             </a:fld>
             <a:endParaRPr lang="en-US"/>
           </a:p>
@@ -2883,7 +2883,7 @@
           <a:p>
             <a:fld id="{FE275811-4231-4273-9EA4-9EC48C681B7E}" type="datetimeFigureOut">
               <a:rPr lang="en-US" smtClean="0"/>
-              <a:t>7/29/2025</a:t>
+              <a:t>7/30/2025</a:t>
             </a:fld>
             <a:endParaRPr lang="en-US"/>
           </a:p>
@@ -3053,7 +3053,7 @@
           <a:p>
             <a:fld id="{FE275811-4231-4273-9EA4-9EC48C681B7E}" type="datetimeFigureOut">
               <a:rPr lang="en-US" smtClean="0"/>
-              <a:t>7/29/2025</a:t>
+              <a:t>7/30/2025</a:t>
             </a:fld>
             <a:endParaRPr lang="en-US"/>
           </a:p>
@@ -3233,7 +3233,7 @@
           <a:p>
             <a:fld id="{FE275811-4231-4273-9EA4-9EC48C681B7E}" type="datetimeFigureOut">
               <a:rPr lang="en-US" smtClean="0"/>
-              <a:t>7/29/2025</a:t>
+              <a:t>7/30/2025</a:t>
             </a:fld>
             <a:endParaRPr lang="en-US"/>
           </a:p>
@@ -3403,7 +3403,7 @@
           <a:p>
             <a:fld id="{FE275811-4231-4273-9EA4-9EC48C681B7E}" type="datetimeFigureOut">
               <a:rPr lang="en-US" smtClean="0"/>
-              <a:t>7/29/2025</a:t>
+              <a:t>7/30/2025</a:t>
             </a:fld>
             <a:endParaRPr lang="en-US"/>
           </a:p>
@@ -3650,7 +3650,7 @@
           <a:p>
             <a:fld id="{FE275811-4231-4273-9EA4-9EC48C681B7E}" type="datetimeFigureOut">
               <a:rPr lang="en-US" smtClean="0"/>
-              <a:t>7/29/2025</a:t>
+              <a:t>7/30/2025</a:t>
             </a:fld>
             <a:endParaRPr lang="en-US"/>
           </a:p>
@@ -3942,7 +3942,7 @@
           <a:p>
             <a:fld id="{FE275811-4231-4273-9EA4-9EC48C681B7E}" type="datetimeFigureOut">
               <a:rPr lang="en-US" smtClean="0"/>
-              <a:t>7/29/2025</a:t>
+              <a:t>7/30/2025</a:t>
             </a:fld>
             <a:endParaRPr lang="en-US"/>
           </a:p>
@@ -4386,7 +4386,7 @@
           <a:p>
             <a:fld id="{FE275811-4231-4273-9EA4-9EC48C681B7E}" type="datetimeFigureOut">
               <a:rPr lang="en-US" smtClean="0"/>
-              <a:t>7/29/2025</a:t>
+              <a:t>7/30/2025</a:t>
             </a:fld>
             <a:endParaRPr lang="en-US"/>
           </a:p>
@@ -4504,7 +4504,7 @@
           <a:p>
             <a:fld id="{FE275811-4231-4273-9EA4-9EC48C681B7E}" type="datetimeFigureOut">
               <a:rPr lang="en-US" smtClean="0"/>
-              <a:t>7/29/2025</a:t>
+              <a:t>7/30/2025</a:t>
             </a:fld>
             <a:endParaRPr lang="en-US"/>
           </a:p>
@@ -4599,7 +4599,7 @@
           <a:p>
             <a:fld id="{FE275811-4231-4273-9EA4-9EC48C681B7E}" type="datetimeFigureOut">
               <a:rPr lang="en-US" smtClean="0"/>
-              <a:t>7/29/2025</a:t>
+              <a:t>7/30/2025</a:t>
             </a:fld>
             <a:endParaRPr lang="en-US"/>
           </a:p>
@@ -4878,7 +4878,7 @@
           <a:p>
             <a:fld id="{FE275811-4231-4273-9EA4-9EC48C681B7E}" type="datetimeFigureOut">
               <a:rPr lang="en-US" smtClean="0"/>
-              <a:t>7/29/2025</a:t>
+              <a:t>7/30/2025</a:t>
             </a:fld>
             <a:endParaRPr lang="en-US"/>
           </a:p>
@@ -5153,7 +5153,7 @@
           <a:p>
             <a:fld id="{FE275811-4231-4273-9EA4-9EC48C681B7E}" type="datetimeFigureOut">
               <a:rPr lang="en-US" smtClean="0"/>
-              <a:t>7/29/2025</a:t>
+              <a:t>7/30/2025</a:t>
             </a:fld>
             <a:endParaRPr lang="en-US"/>
           </a:p>
@@ -5582,7 +5582,7 @@
           <a:p>
             <a:fld id="{FE275811-4231-4273-9EA4-9EC48C681B7E}" type="datetimeFigureOut">
               <a:rPr lang="en-US" smtClean="0"/>
-              <a:t>7/29/2025</a:t>
+              <a:t>7/30/2025</a:t>
             </a:fld>
             <a:endParaRPr lang="en-US"/>
           </a:p>
@@ -6921,7 +6921,15 @@
           <a:p>
             <a:r>
               <a:rPr lang="en-US" dirty="0"/>
-              <a:t>Thank you so much for giving you precious time. I look forward to hearing your thoughts. Please feel free to share any feedback</a:t>
+              <a:t>Thank you so much for giving you precious time. I look forward to hearing your thoughts. Please feel free to </a:t>
+            </a:r>
+            <a:r>
+              <a:rPr lang="en-US"/>
+              <a:t>share your </a:t>
+            </a:r>
+            <a:r>
+              <a:rPr lang="en-US" dirty="0"/>
+              <a:t>feedback</a:t>
             </a:r>
           </a:p>
           <a:p>
